--- a/mjmaslow/SYE-Poster_Maslow.pptx
+++ b/mjmaslow/SYE-Poster_Maslow.pptx
@@ -3039,7 +3039,7 @@
           <a:lstStyle/>
           <a:p>
             <a:pPr algn="ctr"/>
-            <a:endParaRPr lang="en-US"/>
+            <a:endParaRPr lang="en-US" dirty="0"/>
           </a:p>
         </p:txBody>
       </p:sp>
@@ -3239,7 +3239,7 @@
         </p:blipFill>
         <p:spPr>
           <a:xfrm>
-            <a:off x="134773" y="-2122717"/>
+            <a:off x="119260" y="-231843"/>
             <a:ext cx="7511177" cy="9720347"/>
           </a:xfrm>
           <a:prstGeom prst="rect">
@@ -3458,7 +3458,7 @@
                   <a:latin typeface="Garamond" panose="02020404030301010803" pitchFamily="18" charset="0"/>
                   <a:cs typeface="Times New Roman" panose="02020603050405020304" pitchFamily="18" charset="0"/>
                 </a:rPr>
-                <a:t>Your Title Here</a:t>
+                <a:t>The SCORE Network:</a:t>
               </a:r>
             </a:p>
             <a:p>
@@ -3567,7 +3567,7 @@
         <p:spPr>
           <a:xfrm>
             <a:off x="1298348" y="5908073"/>
-            <a:ext cx="13127749" cy="1631216"/>
+            <a:ext cx="13127749" cy="9633406"/>
           </a:xfrm>
           <a:prstGeom prst="rect">
             <a:avLst/>
@@ -3599,8 +3599,50 @@
                 </a:solidFill>
                 <a:latin typeface="Garamond" panose="02020404030301010803" pitchFamily="18" charset="0"/>
               </a:rPr>
-              <a:t>        The …..</a:t>
-            </a:r>
+              <a:t>        Professional Bull Riding (PBR) is a sport that requires a unique combination of skill, strength, and courage. Riders must stay on a bucking bull as long as they can, using only one hand to hold on while the bull tries to throw them off. The rider is scored based on their performance, and the bull is also scored based on how well it bucks. In this dataset, we will explore the data from the 2023 season of the PBR league, Touring Pro Division, to understand the factors that contribute to a rider's success and the performance, and the same for the bulls.</a:t>
+            </a:r>
+          </a:p>
+          <a:p>
+            <a:endParaRPr lang="en-US" sz="4000" dirty="0">
+              <a:solidFill>
+                <a:schemeClr val="bg1"/>
+              </a:solidFill>
+              <a:latin typeface="Garamond" panose="02020404030301010803" pitchFamily="18" charset="0"/>
+            </a:endParaRPr>
+          </a:p>
+          <a:p>
+            <a:r>
+              <a:rPr lang="en-US" sz="4000" dirty="0">
+                <a:solidFill>
+                  <a:schemeClr val="bg1"/>
+                </a:solidFill>
+                <a:latin typeface="Garamond" panose="02020404030301010803" pitchFamily="18" charset="0"/>
+                <a:hlinkClick r:id="rId3"/>
+              </a:rPr>
+              <a:t>https://iramler.github.io/slu_score_preprints/rodeo_sports/bull_riding_regression/</a:t>
+            </a:r>
+            <a:endParaRPr lang="en-US" sz="4000" dirty="0">
+              <a:solidFill>
+                <a:schemeClr val="bg1"/>
+              </a:solidFill>
+              <a:latin typeface="Garamond" panose="02020404030301010803" pitchFamily="18" charset="0"/>
+            </a:endParaRPr>
+          </a:p>
+          <a:p>
+            <a:endParaRPr lang="en-US" sz="4000" dirty="0">
+              <a:solidFill>
+                <a:schemeClr val="bg1"/>
+              </a:solidFill>
+              <a:latin typeface="Garamond" panose="02020404030301010803" pitchFamily="18" charset="0"/>
+            </a:endParaRPr>
+          </a:p>
+          <a:p>
+            <a:endParaRPr lang="en-US" sz="4000" dirty="0">
+              <a:solidFill>
+                <a:schemeClr val="bg1"/>
+              </a:solidFill>
+              <a:latin typeface="Garamond" panose="02020404030301010803" pitchFamily="18" charset="0"/>
+            </a:endParaRPr>
           </a:p>
         </p:txBody>
       </p:sp>
@@ -3619,7 +3661,7 @@
         <p:spPr>
           <a:xfrm>
             <a:off x="29747622" y="5795589"/>
-            <a:ext cx="13127749" cy="1631216"/>
+            <a:ext cx="13127749" cy="12711172"/>
           </a:xfrm>
           <a:prstGeom prst="rect">
             <a:avLst/>
@@ -3651,11 +3693,168 @@
                 </a:solidFill>
                 <a:latin typeface="Garamond" panose="02020404030301010803" pitchFamily="18" charset="0"/>
               </a:rPr>
-              <a:t>        The …..</a:t>
-            </a:r>
-          </a:p>
-        </p:txBody>
-      </p:sp>
+              <a:t>       The Dakar Rally is an annual off-road endurance event that typically spans over two weeks and covers thousands of kilometers across challenging terrain, and the most recent rally took place in Saudi Arabia. Participants, including motorcyclists, drivers, and truckers, compete in various categories, facing extreme conditions like deserts, mountains, and dunes, making it one of the toughest motor-sport events in the world. For this investigation, we will be looking at the motorist statistics for all 12 stages of race. In this race, riders can drop out or be eliminated after each stage due to various reasons such as mechanical failures, accidents, injuries, or if an rules are violated penalties are applied to rider's overall time, affecting their final ranking.</a:t>
+            </a:r>
+          </a:p>
+          <a:p>
+            <a:endParaRPr lang="en-US" sz="4000" dirty="0">
+              <a:solidFill>
+                <a:schemeClr val="bg1"/>
+              </a:solidFill>
+              <a:latin typeface="Garamond" panose="02020404030301010803" pitchFamily="18" charset="0"/>
+            </a:endParaRPr>
+          </a:p>
+          <a:p>
+            <a:endParaRPr lang="en-US" sz="4000" dirty="0">
+              <a:solidFill>
+                <a:schemeClr val="bg1"/>
+              </a:solidFill>
+              <a:latin typeface="Garamond" panose="02020404030301010803" pitchFamily="18" charset="0"/>
+            </a:endParaRPr>
+          </a:p>
+          <a:p>
+            <a:r>
+              <a:rPr lang="en-US" sz="4000" dirty="0">
+                <a:solidFill>
+                  <a:schemeClr val="bg1"/>
+                </a:solidFill>
+                <a:latin typeface="Garamond" panose="02020404030301010803" pitchFamily="18" charset="0"/>
+                <a:hlinkClick r:id="rId4"/>
+              </a:rPr>
+              <a:t>https://iramler.github.io/slu_score_preprints/motor_sports/dakar_rally_regression/</a:t>
+            </a:r>
+            <a:endParaRPr lang="en-US" sz="4000" dirty="0">
+              <a:solidFill>
+                <a:schemeClr val="bg1"/>
+              </a:solidFill>
+              <a:latin typeface="Garamond" panose="02020404030301010803" pitchFamily="18" charset="0"/>
+            </a:endParaRPr>
+          </a:p>
+          <a:p>
+            <a:endParaRPr lang="en-US" sz="4000" dirty="0">
+              <a:solidFill>
+                <a:schemeClr val="bg1"/>
+              </a:solidFill>
+              <a:latin typeface="Garamond" panose="02020404030301010803" pitchFamily="18" charset="0"/>
+            </a:endParaRPr>
+          </a:p>
+          <a:p>
+            <a:endParaRPr lang="en-US" sz="4000" dirty="0">
+              <a:solidFill>
+                <a:schemeClr val="bg1"/>
+              </a:solidFill>
+              <a:latin typeface="Garamond" panose="02020404030301010803" pitchFamily="18" charset="0"/>
+            </a:endParaRPr>
+          </a:p>
+        </p:txBody>
+      </p:sp>
+      <p:pic>
+        <p:nvPicPr>
+          <p:cNvPr id="9" name="Picture 8" descr="A qr code on a black background&#10;&#10;Description automatically generated">
+            <a:extLst>
+              <a:ext uri="{FF2B5EF4-FFF2-40B4-BE49-F238E27FC236}">
+                <a16:creationId xmlns:a16="http://schemas.microsoft.com/office/drawing/2014/main" id="{C52A84C6-1B42-053E-166F-263D2E066B12}"/>
+              </a:ext>
+            </a:extLst>
+          </p:cNvPr>
+          <p:cNvPicPr>
+            <a:picLocks noChangeAspect="1"/>
+          </p:cNvPicPr>
+          <p:nvPr/>
+        </p:nvPicPr>
+        <p:blipFill>
+          <a:blip r:embed="rId5"/>
+          <a:stretch>
+            <a:fillRect/>
+          </a:stretch>
+        </p:blipFill>
+        <p:spPr>
+          <a:xfrm>
+            <a:off x="4204062" y="22838377"/>
+            <a:ext cx="6667500" cy="8343900"/>
+          </a:xfrm>
+          <a:prstGeom prst="rect">
+            <a:avLst/>
+          </a:prstGeom>
+        </p:spPr>
+      </p:pic>
+      <p:pic>
+        <p:nvPicPr>
+          <p:cNvPr id="11" name="Picture 10" descr="A qr code on a black background&#10;&#10;Description automatically generated">
+            <a:extLst>
+              <a:ext uri="{FF2B5EF4-FFF2-40B4-BE49-F238E27FC236}">
+                <a16:creationId xmlns:a16="http://schemas.microsoft.com/office/drawing/2014/main" id="{AA2AE30B-78CB-7C5E-A6C4-F16D7ECCF2BC}"/>
+              </a:ext>
+            </a:extLst>
+          </p:cNvPr>
+          <p:cNvPicPr>
+            <a:picLocks noChangeAspect="1"/>
+          </p:cNvPicPr>
+          <p:nvPr/>
+        </p:nvPicPr>
+        <p:blipFill>
+          <a:blip r:embed="rId6"/>
+          <a:stretch>
+            <a:fillRect/>
+          </a:stretch>
+        </p:blipFill>
+        <p:spPr>
+          <a:xfrm>
+            <a:off x="32818876" y="22838377"/>
+            <a:ext cx="6667500" cy="8343900"/>
+          </a:xfrm>
+          <a:prstGeom prst="rect">
+            <a:avLst/>
+          </a:prstGeom>
+        </p:spPr>
+      </p:pic>
+      <p:pic>
+        <p:nvPicPr>
+          <p:cNvPr id="1026" name="Picture 2" descr="SCORE network logo">
+            <a:extLst>
+              <a:ext uri="{FF2B5EF4-FFF2-40B4-BE49-F238E27FC236}">
+                <a16:creationId xmlns:a16="http://schemas.microsoft.com/office/drawing/2014/main" id="{5218ECEB-F9D2-E43C-768C-9A0EDB2A8F28}"/>
+              </a:ext>
+            </a:extLst>
+          </p:cNvPr>
+          <p:cNvPicPr>
+            <a:picLocks noChangeAspect="1" noChangeArrowheads="1"/>
+          </p:cNvPicPr>
+          <p:nvPr/>
+        </p:nvPicPr>
+        <p:blipFill>
+          <a:blip r:embed="rId7">
+            <a:extLst>
+              <a:ext uri="{28A0092B-C50C-407E-A947-70E740481C1C}">
+                <a14:useLocalDpi xmlns:a14="http://schemas.microsoft.com/office/drawing/2010/main" val="0"/>
+              </a:ext>
+            </a:extLst>
+          </a:blip>
+          <a:srcRect/>
+          <a:stretch>
+            <a:fillRect/>
+          </a:stretch>
+        </p:blipFill>
+        <p:spPr bwMode="auto">
+          <a:xfrm>
+            <a:off x="16644569" y="22256404"/>
+            <a:ext cx="10401300" cy="7797800"/>
+          </a:xfrm>
+          <a:prstGeom prst="rect">
+            <a:avLst/>
+          </a:prstGeom>
+          <a:noFill/>
+          <a:extLst>
+            <a:ext uri="{909E8E84-426E-40DD-AFC4-6F175D3DCCD1}">
+              <a14:hiddenFill xmlns:a14="http://schemas.microsoft.com/office/drawing/2010/main">
+                <a:solidFill>
+                  <a:srgbClr val="FFFFFF"/>
+                </a:solidFill>
+              </a14:hiddenFill>
+            </a:ext>
+          </a:extLst>
+        </p:spPr>
+      </p:pic>
     </p:spTree>
     <p:extLst>
       <p:ext uri="{BB962C8B-B14F-4D97-AF65-F5344CB8AC3E}">

--- a/mjmaslow/SYE-Poster_Maslow.pptx
+++ b/mjmaslow/SYE-Poster_Maslow.pptx
@@ -3239,7 +3239,7 @@
         </p:blipFill>
         <p:spPr>
           <a:xfrm>
-            <a:off x="119260" y="-231843"/>
+            <a:off x="119260" y="-2128431"/>
             <a:ext cx="7511177" cy="9720347"/>
           </a:xfrm>
           <a:prstGeom prst="rect">
@@ -3514,7 +3514,7 @@
         </p:nvSpPr>
         <p:spPr>
           <a:xfrm>
-            <a:off x="15389481" y="5885921"/>
+            <a:off x="15456297" y="15541479"/>
             <a:ext cx="13127749" cy="14557831"/>
           </a:xfrm>
           <a:prstGeom prst="rect">
@@ -3750,70 +3750,10 @@
       </p:sp>
       <p:pic>
         <p:nvPicPr>
-          <p:cNvPr id="9" name="Picture 8" descr="A qr code on a black background&#10;&#10;Description automatically generated">
+          <p:cNvPr id="8" name="Picture 2" descr="SCORE network logo">
             <a:extLst>
               <a:ext uri="{FF2B5EF4-FFF2-40B4-BE49-F238E27FC236}">
-                <a16:creationId xmlns:a16="http://schemas.microsoft.com/office/drawing/2014/main" id="{C52A84C6-1B42-053E-166F-263D2E066B12}"/>
-              </a:ext>
-            </a:extLst>
-          </p:cNvPr>
-          <p:cNvPicPr>
-            <a:picLocks noChangeAspect="1"/>
-          </p:cNvPicPr>
-          <p:nvPr/>
-        </p:nvPicPr>
-        <p:blipFill>
-          <a:blip r:embed="rId5"/>
-          <a:stretch>
-            <a:fillRect/>
-          </a:stretch>
-        </p:blipFill>
-        <p:spPr>
-          <a:xfrm>
-            <a:off x="4204062" y="22838377"/>
-            <a:ext cx="6667500" cy="8343900"/>
-          </a:xfrm>
-          <a:prstGeom prst="rect">
-            <a:avLst/>
-          </a:prstGeom>
-        </p:spPr>
-      </p:pic>
-      <p:pic>
-        <p:nvPicPr>
-          <p:cNvPr id="11" name="Picture 10" descr="A qr code on a black background&#10;&#10;Description automatically generated">
-            <a:extLst>
-              <a:ext uri="{FF2B5EF4-FFF2-40B4-BE49-F238E27FC236}">
-                <a16:creationId xmlns:a16="http://schemas.microsoft.com/office/drawing/2014/main" id="{AA2AE30B-78CB-7C5E-A6C4-F16D7ECCF2BC}"/>
-              </a:ext>
-            </a:extLst>
-          </p:cNvPr>
-          <p:cNvPicPr>
-            <a:picLocks noChangeAspect="1"/>
-          </p:cNvPicPr>
-          <p:nvPr/>
-        </p:nvPicPr>
-        <p:blipFill>
-          <a:blip r:embed="rId6"/>
-          <a:stretch>
-            <a:fillRect/>
-          </a:stretch>
-        </p:blipFill>
-        <p:spPr>
-          <a:xfrm>
-            <a:off x="32818876" y="22838377"/>
-            <a:ext cx="6667500" cy="8343900"/>
-          </a:xfrm>
-          <a:prstGeom prst="rect">
-            <a:avLst/>
-          </a:prstGeom>
-        </p:spPr>
-      </p:pic>
-      <p:pic>
-        <p:nvPicPr>
-          <p:cNvPr id="1026" name="Picture 2" descr="SCORE network logo">
-            <a:extLst>
-              <a:ext uri="{FF2B5EF4-FFF2-40B4-BE49-F238E27FC236}">
-                <a16:creationId xmlns:a16="http://schemas.microsoft.com/office/drawing/2014/main" id="{5218ECEB-F9D2-E43C-768C-9A0EDB2A8F28}"/>
+                <a16:creationId xmlns:a16="http://schemas.microsoft.com/office/drawing/2014/main" id="{5CF72056-3ED8-6476-869D-C4BB9F6FAB94}"/>
               </a:ext>
             </a:extLst>
           </p:cNvPr>
@@ -3823,7 +3763,7 @@
           <p:nvPr/>
         </p:nvPicPr>
         <p:blipFill>
-          <a:blip r:embed="rId7">
+          <a:blip r:embed="rId5">
             <a:extLst>
               <a:ext uri="{28A0092B-C50C-407E-A947-70E740481C1C}">
                 <a14:useLocalDpi xmlns:a14="http://schemas.microsoft.com/office/drawing/2010/main" val="0"/>
@@ -3837,7 +3777,7 @@
         </p:blipFill>
         <p:spPr bwMode="auto">
           <a:xfrm>
-            <a:off x="16644569" y="22256404"/>
+            <a:off x="16644569" y="7591916"/>
             <a:ext cx="10401300" cy="7797800"/>
           </a:xfrm>
           <a:prstGeom prst="rect">

--- a/mjmaslow/SYE-Poster_Maslow.pptx
+++ b/mjmaslow/SYE-Poster_Maslow.pptx
@@ -3514,7 +3514,7 @@
         </p:nvSpPr>
         <p:spPr>
           <a:xfrm>
-            <a:off x="15456297" y="15541479"/>
+            <a:off x="15356824" y="14322279"/>
             <a:ext cx="13127749" cy="14557831"/>
           </a:xfrm>
           <a:prstGeom prst="rect">
@@ -3777,7 +3777,7 @@
         </p:blipFill>
         <p:spPr bwMode="auto">
           <a:xfrm>
-            <a:off x="16644569" y="7591916"/>
+            <a:off x="16644569" y="6825876"/>
             <a:ext cx="10401300" cy="7797800"/>
           </a:xfrm>
           <a:prstGeom prst="rect">
@@ -3793,6 +3793,66 @@
               </a14:hiddenFill>
             </a:ext>
           </a:extLst>
+        </p:spPr>
+      </p:pic>
+      <p:pic>
+        <p:nvPicPr>
+          <p:cNvPr id="12" name="Picture 11" descr="A qr code with a white background&#10;&#10;Description automatically generated">
+            <a:extLst>
+              <a:ext uri="{FF2B5EF4-FFF2-40B4-BE49-F238E27FC236}">
+                <a16:creationId xmlns:a16="http://schemas.microsoft.com/office/drawing/2014/main" id="{766B1B9D-8833-8114-71A9-B3A987E97095}"/>
+              </a:ext>
+            </a:extLst>
+          </p:cNvPr>
+          <p:cNvPicPr>
+            <a:picLocks noChangeAspect="1"/>
+          </p:cNvPicPr>
+          <p:nvPr/>
+        </p:nvPicPr>
+        <p:blipFill>
+          <a:blip r:embed="rId6"/>
+          <a:stretch>
+            <a:fillRect/>
+          </a:stretch>
+        </p:blipFill>
+        <p:spPr>
+          <a:xfrm>
+            <a:off x="4246886" y="25984510"/>
+            <a:ext cx="6667500" cy="4114800"/>
+          </a:xfrm>
+          <a:prstGeom prst="rect">
+            <a:avLst/>
+          </a:prstGeom>
+        </p:spPr>
+      </p:pic>
+      <p:pic>
+        <p:nvPicPr>
+          <p:cNvPr id="14" name="Picture 13" descr="A qr code with a white background&#10;&#10;Description automatically generated">
+            <a:extLst>
+              <a:ext uri="{FF2B5EF4-FFF2-40B4-BE49-F238E27FC236}">
+                <a16:creationId xmlns:a16="http://schemas.microsoft.com/office/drawing/2014/main" id="{41E62472-51D5-0D8F-908A-25C9287FDBF2}"/>
+              </a:ext>
+            </a:extLst>
+          </p:cNvPr>
+          <p:cNvPicPr>
+            <a:picLocks noChangeAspect="1"/>
+          </p:cNvPicPr>
+          <p:nvPr/>
+        </p:nvPicPr>
+        <p:blipFill>
+          <a:blip r:embed="rId7"/>
+          <a:stretch>
+            <a:fillRect/>
+          </a:stretch>
+        </p:blipFill>
+        <p:spPr>
+          <a:xfrm>
+            <a:off x="33010640" y="25984510"/>
+            <a:ext cx="6667500" cy="4114800"/>
+          </a:xfrm>
+          <a:prstGeom prst="rect">
+            <a:avLst/>
+          </a:prstGeom>
         </p:spPr>
       </p:pic>
     </p:spTree>

--- a/mjmaslow/SYE-Poster_Maslow.pptx
+++ b/mjmaslow/SYE-Poster_Maslow.pptx
@@ -243,7 +243,7 @@
           <a:p>
             <a:fld id="{2DC29746-1088-C241-BC8C-4CC03DF23E15}" type="datetimeFigureOut">
               <a:rPr lang="en-US" smtClean="0"/>
-              <a:t>4/14/24</a:t>
+              <a:t>4/15/24</a:t>
             </a:fld>
             <a:endParaRPr lang="en-US"/>
           </a:p>
@@ -413,7 +413,7 @@
           <a:p>
             <a:fld id="{2DC29746-1088-C241-BC8C-4CC03DF23E15}" type="datetimeFigureOut">
               <a:rPr lang="en-US" smtClean="0"/>
-              <a:t>4/14/24</a:t>
+              <a:t>4/15/24</a:t>
             </a:fld>
             <a:endParaRPr lang="en-US"/>
           </a:p>
@@ -593,7 +593,7 @@
           <a:p>
             <a:fld id="{2DC29746-1088-C241-BC8C-4CC03DF23E15}" type="datetimeFigureOut">
               <a:rPr lang="en-US" smtClean="0"/>
-              <a:t>4/14/24</a:t>
+              <a:t>4/15/24</a:t>
             </a:fld>
             <a:endParaRPr lang="en-US"/>
           </a:p>
@@ -763,7 +763,7 @@
           <a:p>
             <a:fld id="{2DC29746-1088-C241-BC8C-4CC03DF23E15}" type="datetimeFigureOut">
               <a:rPr lang="en-US" smtClean="0"/>
-              <a:t>4/14/24</a:t>
+              <a:t>4/15/24</a:t>
             </a:fld>
             <a:endParaRPr lang="en-US"/>
           </a:p>
@@ -1007,7 +1007,7 @@
           <a:p>
             <a:fld id="{2DC29746-1088-C241-BC8C-4CC03DF23E15}" type="datetimeFigureOut">
               <a:rPr lang="en-US" smtClean="0"/>
-              <a:t>4/14/24</a:t>
+              <a:t>4/15/24</a:t>
             </a:fld>
             <a:endParaRPr lang="en-US"/>
           </a:p>
@@ -1239,7 +1239,7 @@
           <a:p>
             <a:fld id="{2DC29746-1088-C241-BC8C-4CC03DF23E15}" type="datetimeFigureOut">
               <a:rPr lang="en-US" smtClean="0"/>
-              <a:t>4/14/24</a:t>
+              <a:t>4/15/24</a:t>
             </a:fld>
             <a:endParaRPr lang="en-US"/>
           </a:p>
@@ -1606,7 +1606,7 @@
           <a:p>
             <a:fld id="{2DC29746-1088-C241-BC8C-4CC03DF23E15}" type="datetimeFigureOut">
               <a:rPr lang="en-US" smtClean="0"/>
-              <a:t>4/14/24</a:t>
+              <a:t>4/15/24</a:t>
             </a:fld>
             <a:endParaRPr lang="en-US"/>
           </a:p>
@@ -1724,7 +1724,7 @@
           <a:p>
             <a:fld id="{2DC29746-1088-C241-BC8C-4CC03DF23E15}" type="datetimeFigureOut">
               <a:rPr lang="en-US" smtClean="0"/>
-              <a:t>4/14/24</a:t>
+              <a:t>4/15/24</a:t>
             </a:fld>
             <a:endParaRPr lang="en-US"/>
           </a:p>
@@ -1819,7 +1819,7 @@
           <a:p>
             <a:fld id="{2DC29746-1088-C241-BC8C-4CC03DF23E15}" type="datetimeFigureOut">
               <a:rPr lang="en-US" smtClean="0"/>
-              <a:t>4/14/24</a:t>
+              <a:t>4/15/24</a:t>
             </a:fld>
             <a:endParaRPr lang="en-US"/>
           </a:p>
@@ -2096,7 +2096,7 @@
           <a:p>
             <a:fld id="{2DC29746-1088-C241-BC8C-4CC03DF23E15}" type="datetimeFigureOut">
               <a:rPr lang="en-US" smtClean="0"/>
-              <a:t>4/14/24</a:t>
+              <a:t>4/15/24</a:t>
             </a:fld>
             <a:endParaRPr lang="en-US"/>
           </a:p>
@@ -2353,7 +2353,7 @@
           <a:p>
             <a:fld id="{2DC29746-1088-C241-BC8C-4CC03DF23E15}" type="datetimeFigureOut">
               <a:rPr lang="en-US" smtClean="0"/>
-              <a:t>4/14/24</a:t>
+              <a:t>4/15/24</a:t>
             </a:fld>
             <a:endParaRPr lang="en-US"/>
           </a:p>
@@ -2566,7 +2566,7 @@
           <a:p>
             <a:fld id="{2DC29746-1088-C241-BC8C-4CC03DF23E15}" type="datetimeFigureOut">
               <a:rPr lang="en-US" smtClean="0"/>
-              <a:t>4/14/24</a:t>
+              <a:t>4/15/24</a:t>
             </a:fld>
             <a:endParaRPr lang="en-US"/>
           </a:p>
@@ -3514,8 +3514,8 @@
         </p:nvSpPr>
         <p:spPr>
           <a:xfrm>
-            <a:off x="15356824" y="14322279"/>
-            <a:ext cx="13127749" cy="14557831"/>
+            <a:off x="15401826" y="12143305"/>
+            <a:ext cx="13037745" cy="7171194"/>
           </a:xfrm>
           <a:prstGeom prst="rect">
             <a:avLst/>
@@ -3528,18 +3528,11 @@
           </a:bodyPr>
           <a:lstStyle/>
           <a:p>
-            <a:pPr algn="ctr"/>
-            <a:r>
-              <a:rPr lang="en-US" sz="6000" dirty="0">
-                <a:solidFill>
-                  <a:schemeClr val="bg1"/>
-                </a:solidFill>
-                <a:latin typeface="Garamond" panose="02020404030301010803" pitchFamily="18" charset="0"/>
-              </a:rPr>
-              <a:t>Abstract:</a:t>
-            </a:r>
-          </a:p>
-          <a:p>
+            <a:pPr>
+              <a:lnSpc>
+                <a:spcPct val="150000"/>
+              </a:lnSpc>
+            </a:pPr>
             <a:r>
               <a:rPr lang="en-US" sz="4000" dirty="0">
                 <a:solidFill>
@@ -3547,8 +3540,16 @@
                 </a:solidFill>
                 <a:latin typeface="Garamond" panose="02020404030301010803" pitchFamily="18" charset="0"/>
               </a:rPr>
-              <a:t>        The SCORE Network, funded by the National Science Foundation, acquires, cleans, manipulates, and documents sports data to create educational resources aimed at advancing data science learning, particularly among underrepresented populations and minorities. It focuses on developing and disseminating educational resources and frameworks, with a specific emphasis on sports analytics. This project focuses on data from the Professional Bull Riding (PBR) and the Dakar Rally in Saudi Arabia. The PBR dataset investigates a collection of professional bull riders and the bulls, along with their statistics from the 2023 season for the Touring Pro Division. This dataset’s analysis encompasses linear regression, identification of influential points, hypothesis testing, and variable transformation. For context, the Dakar Rally is an annual off-road endurance event known for its challenging terrain and extreme conditions, where participants race motorbikes, cars, trucks, and other vehicles over thousands of kilometers across various landscapes, testing their skills and endurance. The Dakar Rally dataset investigates the 2024 Saudi Arabia Dakar Rally biker rankings and times throughout all 12 stages, including driver information and rankings. This dataset’s analysis will exemplify data visualization, uncovering patterns and insights within the race dynamics.</a:t>
-            </a:r>
+              <a:t>         The SCORE Network, funded by the National Science Foundation, acquires, cleans, manipulates, and documents sports data to create educational resources aimed at advancing data science learning, particularly among underrepresented populations and minorities. It focuses on developing and disseminating educational resources and frameworks, with a specific emphasis on sports analytics. </a:t>
+            </a:r>
+          </a:p>
+          <a:p>
+            <a:endParaRPr lang="en-US" sz="4000" dirty="0">
+              <a:solidFill>
+                <a:schemeClr val="bg1"/>
+              </a:solidFill>
+              <a:latin typeface="Garamond" panose="02020404030301010803" pitchFamily="18" charset="0"/>
+            </a:endParaRPr>
           </a:p>
         </p:txBody>
       </p:sp>
@@ -3566,8 +3567,8 @@
         </p:nvSpPr>
         <p:spPr>
           <a:xfrm>
-            <a:off x="1298348" y="5908073"/>
-            <a:ext cx="13127749" cy="9633406"/>
+            <a:off x="1298349" y="5908073"/>
+            <a:ext cx="12619772" cy="12470465"/>
           </a:xfrm>
           <a:prstGeom prst="rect">
             <a:avLst/>
@@ -3580,7 +3581,11 @@
           </a:bodyPr>
           <a:lstStyle/>
           <a:p>
-            <a:pPr algn="ctr"/>
+            <a:pPr algn="ctr">
+              <a:lnSpc>
+                <a:spcPct val="150000"/>
+              </a:lnSpc>
+            </a:pPr>
             <a:r>
               <a:rPr lang="en-US" sz="6000" dirty="0">
                 <a:solidFill>
@@ -3588,10 +3593,30 @@
                 </a:solidFill>
                 <a:latin typeface="Garamond" panose="02020404030301010803" pitchFamily="18" charset="0"/>
               </a:rPr>
-              <a:t>Professional Bull Riding (PBR):</a:t>
-            </a:r>
-          </a:p>
-          <a:p>
+              <a:t>Professional </a:t>
+            </a:r>
+            <a:r>
+              <a:rPr lang="en-US" sz="6000">
+                <a:solidFill>
+                  <a:schemeClr val="bg1"/>
+                </a:solidFill>
+                <a:latin typeface="Garamond" panose="02020404030301010803" pitchFamily="18" charset="0"/>
+              </a:rPr>
+              <a:t>Bull Riding:</a:t>
+            </a:r>
+            <a:endParaRPr lang="en-US" sz="6000" dirty="0">
+              <a:solidFill>
+                <a:schemeClr val="bg1"/>
+              </a:solidFill>
+              <a:latin typeface="Garamond" panose="02020404030301010803" pitchFamily="18" charset="0"/>
+            </a:endParaRPr>
+          </a:p>
+          <a:p>
+            <a:pPr>
+              <a:lnSpc>
+                <a:spcPct val="150000"/>
+              </a:lnSpc>
+            </a:pPr>
             <a:r>
               <a:rPr lang="en-US" sz="4000" dirty="0">
                 <a:solidFill>
@@ -3599,50 +3624,8 @@
                 </a:solidFill>
                 <a:latin typeface="Garamond" panose="02020404030301010803" pitchFamily="18" charset="0"/>
               </a:rPr>
-              <a:t>        Professional Bull Riding (PBR) is a sport that requires a unique combination of skill, strength, and courage. Riders must stay on a bucking bull as long as they can, using only one hand to hold on while the bull tries to throw them off. The rider is scored based on their performance, and the bull is also scored based on how well it bucks. In this dataset, we will explore the data from the 2023 season of the PBR league, Touring Pro Division, to understand the factors that contribute to a rider's success and the performance, and the same for the bulls.</a:t>
-            </a:r>
-          </a:p>
-          <a:p>
-            <a:endParaRPr lang="en-US" sz="4000" dirty="0">
-              <a:solidFill>
-                <a:schemeClr val="bg1"/>
-              </a:solidFill>
-              <a:latin typeface="Garamond" panose="02020404030301010803" pitchFamily="18" charset="0"/>
-            </a:endParaRPr>
-          </a:p>
-          <a:p>
-            <a:r>
-              <a:rPr lang="en-US" sz="4000" dirty="0">
-                <a:solidFill>
-                  <a:schemeClr val="bg1"/>
-                </a:solidFill>
-                <a:latin typeface="Garamond" panose="02020404030301010803" pitchFamily="18" charset="0"/>
-                <a:hlinkClick r:id="rId3"/>
-              </a:rPr>
-              <a:t>https://iramler.github.io/slu_score_preprints/rodeo_sports/bull_riding_regression/</a:t>
-            </a:r>
-            <a:endParaRPr lang="en-US" sz="4000" dirty="0">
-              <a:solidFill>
-                <a:schemeClr val="bg1"/>
-              </a:solidFill>
-              <a:latin typeface="Garamond" panose="02020404030301010803" pitchFamily="18" charset="0"/>
-            </a:endParaRPr>
-          </a:p>
-          <a:p>
-            <a:endParaRPr lang="en-US" sz="4000" dirty="0">
-              <a:solidFill>
-                <a:schemeClr val="bg1"/>
-              </a:solidFill>
-              <a:latin typeface="Garamond" panose="02020404030301010803" pitchFamily="18" charset="0"/>
-            </a:endParaRPr>
-          </a:p>
-          <a:p>
-            <a:endParaRPr lang="en-US" sz="4000" dirty="0">
-              <a:solidFill>
-                <a:schemeClr val="bg1"/>
-              </a:solidFill>
-              <a:latin typeface="Garamond" panose="02020404030301010803" pitchFamily="18" charset="0"/>
-            </a:endParaRPr>
+              <a:t>        Professional Bull Riding (PBR) is a sport that requires a unique combination of skill, strength, and courage. Riders must stay on a bucking bull as long as they can, using only one hand to hold on while the bull tries to throw them off. The rider is scored based on their performance, and the bull is also scored based on how well it bucks. In this dataset, we will explore the data from the 2023 season of the PBR league, Touring Pro Division, to understand the factors that contribute to a rider's success and the performance, and the same for the bulls. This dataset’s analysis encompasses linear regression, identification of influential points, hypothesis testing, and variable transformation.</a:t>
+            </a:r>
           </a:p>
         </p:txBody>
       </p:sp>
@@ -3661,7 +3644,7 @@
         <p:spPr>
           <a:xfrm>
             <a:off x="29747622" y="5795589"/>
-            <a:ext cx="13127749" cy="12711172"/>
+            <a:ext cx="13127749" cy="11547135"/>
           </a:xfrm>
           <a:prstGeom prst="rect">
             <a:avLst/>
@@ -3674,7 +3657,11 @@
           </a:bodyPr>
           <a:lstStyle/>
           <a:p>
-            <a:pPr algn="ctr"/>
+            <a:pPr algn="ctr">
+              <a:lnSpc>
+                <a:spcPct val="150000"/>
+              </a:lnSpc>
+            </a:pPr>
             <a:r>
               <a:rPr lang="en-US" sz="6000" dirty="0">
                 <a:solidFill>
@@ -3686,6 +3673,11 @@
             </a:r>
           </a:p>
           <a:p>
+            <a:pPr>
+              <a:lnSpc>
+                <a:spcPct val="150000"/>
+              </a:lnSpc>
+            </a:pPr>
             <a:r>
               <a:rPr lang="en-US" sz="4000" dirty="0">
                 <a:solidFill>
@@ -3693,58 +3685,8 @@
                 </a:solidFill>
                 <a:latin typeface="Garamond" panose="02020404030301010803" pitchFamily="18" charset="0"/>
               </a:rPr>
-              <a:t>       The Dakar Rally is an annual off-road endurance event that typically spans over two weeks and covers thousands of kilometers across challenging terrain, and the most recent rally took place in Saudi Arabia. Participants, including motorcyclists, drivers, and truckers, compete in various categories, facing extreme conditions like deserts, mountains, and dunes, making it one of the toughest motor-sport events in the world. For this investigation, we will be looking at the motorist statistics for all 12 stages of race. In this race, riders can drop out or be eliminated after each stage due to various reasons such as mechanical failures, accidents, injuries, or if an rules are violated penalties are applied to rider's overall time, affecting their final ranking.</a:t>
-            </a:r>
-          </a:p>
-          <a:p>
-            <a:endParaRPr lang="en-US" sz="4000" dirty="0">
-              <a:solidFill>
-                <a:schemeClr val="bg1"/>
-              </a:solidFill>
-              <a:latin typeface="Garamond" panose="02020404030301010803" pitchFamily="18" charset="0"/>
-            </a:endParaRPr>
-          </a:p>
-          <a:p>
-            <a:endParaRPr lang="en-US" sz="4000" dirty="0">
-              <a:solidFill>
-                <a:schemeClr val="bg1"/>
-              </a:solidFill>
-              <a:latin typeface="Garamond" panose="02020404030301010803" pitchFamily="18" charset="0"/>
-            </a:endParaRPr>
-          </a:p>
-          <a:p>
-            <a:r>
-              <a:rPr lang="en-US" sz="4000" dirty="0">
-                <a:solidFill>
-                  <a:schemeClr val="bg1"/>
-                </a:solidFill>
-                <a:latin typeface="Garamond" panose="02020404030301010803" pitchFamily="18" charset="0"/>
-                <a:hlinkClick r:id="rId4"/>
-              </a:rPr>
-              <a:t>https://iramler.github.io/slu_score_preprints/motor_sports/dakar_rally_regression/</a:t>
-            </a:r>
-            <a:endParaRPr lang="en-US" sz="4000" dirty="0">
-              <a:solidFill>
-                <a:schemeClr val="bg1"/>
-              </a:solidFill>
-              <a:latin typeface="Garamond" panose="02020404030301010803" pitchFamily="18" charset="0"/>
-            </a:endParaRPr>
-          </a:p>
-          <a:p>
-            <a:endParaRPr lang="en-US" sz="4000" dirty="0">
-              <a:solidFill>
-                <a:schemeClr val="bg1"/>
-              </a:solidFill>
-              <a:latin typeface="Garamond" panose="02020404030301010803" pitchFamily="18" charset="0"/>
-            </a:endParaRPr>
-          </a:p>
-          <a:p>
-            <a:endParaRPr lang="en-US" sz="4000" dirty="0">
-              <a:solidFill>
-                <a:schemeClr val="bg1"/>
-              </a:solidFill>
-              <a:latin typeface="Garamond" panose="02020404030301010803" pitchFamily="18" charset="0"/>
-            </a:endParaRPr>
+              <a:t>       The Dakar Rally is an annual off-road endurance event that typically spans over two weeks and covers thousands of kilometers across challenging terrain, and the most recent rally took place in Saudi Arabia. Participants, including motorcyclists, drivers, and truckers, compete in various categories, facing extreme conditions like deserts, mountains, and dunes, making it one of the toughest motor-sport events in the world. For this investigation, we will be looking at the motorist statistics for all 12 stages of race. This dataset’s analysis will exemplify data visualization, uncovering patterns and insights within the race dynamics.</a:t>
+            </a:r>
           </a:p>
         </p:txBody>
       </p:sp>
@@ -3763,7 +3705,7 @@
           <p:nvPr/>
         </p:nvPicPr>
         <p:blipFill>
-          <a:blip r:embed="rId5">
+          <a:blip r:embed="rId3">
             <a:extLst>
               <a:ext uri="{28A0092B-C50C-407E-A947-70E740481C1C}">
                 <a14:useLocalDpi xmlns:a14="http://schemas.microsoft.com/office/drawing/2010/main" val="0"/>
@@ -3777,7 +3719,7 @@
         </p:blipFill>
         <p:spPr bwMode="auto">
           <a:xfrm>
-            <a:off x="16644569" y="6825876"/>
+            <a:off x="16644569" y="5504321"/>
             <a:ext cx="10401300" cy="7797800"/>
           </a:xfrm>
           <a:prstGeom prst="rect">
@@ -3810,14 +3752,14 @@
           <p:nvPr/>
         </p:nvPicPr>
         <p:blipFill>
-          <a:blip r:embed="rId6"/>
+          <a:blip r:embed="rId4"/>
           <a:stretch>
             <a:fillRect/>
           </a:stretch>
         </p:blipFill>
         <p:spPr>
           <a:xfrm>
-            <a:off x="4246886" y="25984510"/>
+            <a:off x="4204062" y="18682064"/>
             <a:ext cx="6667500" cy="4114800"/>
           </a:xfrm>
           <a:prstGeom prst="rect">
@@ -3840,14 +3782,14 @@
           <p:nvPr/>
         </p:nvPicPr>
         <p:blipFill>
-          <a:blip r:embed="rId7"/>
+          <a:blip r:embed="rId5"/>
           <a:stretch>
             <a:fillRect/>
           </a:stretch>
         </p:blipFill>
         <p:spPr>
           <a:xfrm>
-            <a:off x="33010640" y="25984510"/>
+            <a:off x="32927013" y="18378538"/>
             <a:ext cx="6667500" cy="4114800"/>
           </a:xfrm>
           <a:prstGeom prst="rect">

--- a/mjmaslow/SYE-Poster_Maslow.pptx
+++ b/mjmaslow/SYE-Poster_Maslow.pptx
@@ -2991,32 +2991,11 @@
           <a:prstGeom prst="rect">
             <a:avLst/>
           </a:prstGeom>
-          <a:gradFill flip="none" rotWithShape="1">
-            <a:gsLst>
-              <a:gs pos="0">
-                <a:srgbClr val="BF2015">
-                  <a:shade val="30000"/>
-                  <a:satMod val="115000"/>
-                </a:srgbClr>
-              </a:gs>
-              <a:gs pos="50000">
-                <a:srgbClr val="BF2015">
-                  <a:shade val="67500"/>
-                  <a:satMod val="115000"/>
-                </a:srgbClr>
-              </a:gs>
-              <a:gs pos="100000">
-                <a:srgbClr val="BF2015">
-                  <a:shade val="100000"/>
-                  <a:satMod val="115000"/>
-                </a:srgbClr>
-              </a:gs>
-            </a:gsLst>
-            <a:path path="circle">
-              <a:fillToRect l="50000" t="50000" r="50000" b="50000"/>
-            </a:path>
-            <a:tileRect/>
-          </a:gradFill>
+          <a:solidFill>
+            <a:srgbClr val="C00000">
+              <a:alpha val="84974"/>
+            </a:srgbClr>
+          </a:solidFill>
         </p:spPr>
         <p:style>
           <a:lnRef idx="2">
@@ -3039,7 +3018,13 @@
           <a:lstStyle/>
           <a:p>
             <a:pPr algn="ctr"/>
-            <a:endParaRPr lang="en-US" dirty="0"/>
+            <a:endParaRPr lang="en-US" dirty="0">
+              <a:solidFill>
+                <a:schemeClr val="bg1">
+                  <a:lumMod val="95000"/>
+                </a:schemeClr>
+              </a:solidFill>
+            </a:endParaRPr>
           </a:p>
         </p:txBody>
       </p:sp>
@@ -3063,32 +3048,9 @@
           <a:prstGeom prst="rect">
             <a:avLst/>
           </a:prstGeom>
-          <a:gradFill flip="none" rotWithShape="1">
-            <a:gsLst>
-              <a:gs pos="0">
-                <a:srgbClr val="BF2015">
-                  <a:shade val="30000"/>
-                  <a:satMod val="115000"/>
-                </a:srgbClr>
-              </a:gs>
-              <a:gs pos="50000">
-                <a:srgbClr val="BF2015">
-                  <a:shade val="67500"/>
-                  <a:satMod val="115000"/>
-                </a:srgbClr>
-              </a:gs>
-              <a:gs pos="100000">
-                <a:srgbClr val="BF2015">
-                  <a:shade val="100000"/>
-                  <a:satMod val="115000"/>
-                </a:srgbClr>
-              </a:gs>
-            </a:gsLst>
-            <a:path path="circle">
-              <a:fillToRect l="50000" t="50000" r="50000" b="50000"/>
-            </a:path>
-            <a:tileRect/>
-          </a:gradFill>
+          <a:solidFill>
+            <a:srgbClr val="C00000"/>
+          </a:solidFill>
         </p:spPr>
         <p:style>
           <a:lnRef idx="2">
@@ -3135,32 +3097,11 @@
           <a:prstGeom prst="rect">
             <a:avLst/>
           </a:prstGeom>
-          <a:gradFill flip="none" rotWithShape="1">
-            <a:gsLst>
-              <a:gs pos="0">
-                <a:srgbClr val="BF2015">
-                  <a:shade val="30000"/>
-                  <a:satMod val="115000"/>
-                </a:srgbClr>
-              </a:gs>
-              <a:gs pos="50000">
-                <a:srgbClr val="BF2015">
-                  <a:shade val="67500"/>
-                  <a:satMod val="115000"/>
-                </a:srgbClr>
-              </a:gs>
-              <a:gs pos="100000">
-                <a:srgbClr val="BF2015">
-                  <a:shade val="100000"/>
-                  <a:satMod val="115000"/>
-                </a:srgbClr>
-              </a:gs>
-            </a:gsLst>
-            <a:path path="circle">
-              <a:fillToRect l="50000" t="50000" r="50000" b="50000"/>
-            </a:path>
-            <a:tileRect/>
-          </a:gradFill>
+          <a:solidFill>
+            <a:srgbClr val="C00000">
+              <a:alpha val="85000"/>
+            </a:srgbClr>
+          </a:solidFill>
         </p:spPr>
         <p:style>
           <a:lnRef idx="2">
@@ -3514,8 +3455,8 @@
         </p:nvSpPr>
         <p:spPr>
           <a:xfrm>
-            <a:off x="15401826" y="12143305"/>
-            <a:ext cx="13037745" cy="7171194"/>
+            <a:off x="15401826" y="11569156"/>
+            <a:ext cx="13037745" cy="6468822"/>
           </a:xfrm>
           <a:prstGeom prst="rect">
             <a:avLst/>
@@ -3528,7 +3469,7 @@
           </a:bodyPr>
           <a:lstStyle/>
           <a:p>
-            <a:pPr>
+            <a:pPr algn="l">
               <a:lnSpc>
                 <a:spcPct val="150000"/>
               </a:lnSpc>
@@ -3540,16 +3481,19 @@
                 </a:solidFill>
                 <a:latin typeface="Garamond" panose="02020404030301010803" pitchFamily="18" charset="0"/>
               </a:rPr>
-              <a:t>         The SCORE Network, funded by the National Science Foundation, acquires, cleans, manipulates, and documents sports data to create educational resources aimed at advancing data science learning, particularly among underrepresented populations and minorities. It focuses on developing and disseminating educational resources and frameworks, with a specific emphasis on sports analytics. </a:t>
-            </a:r>
-          </a:p>
-          <a:p>
-            <a:endParaRPr lang="en-US" sz="4000" dirty="0">
-              <a:solidFill>
-                <a:schemeClr val="bg1"/>
-              </a:solidFill>
-              <a:latin typeface="Garamond" panose="02020404030301010803" pitchFamily="18" charset="0"/>
-            </a:endParaRPr>
+              <a:t>         The SCORE Network, funded by the National Science Foundation, acquires, cleans, manipulates, and documents sports data to create educational resources aimed at advancing data science learning, particularly among under</a:t>
+            </a:r>
+            <a:r>
+              <a:rPr lang="en-US" sz="4000" dirty="0">
+                <a:solidFill>
+                  <a:schemeClr val="bg1">
+                    <a:lumMod val="95000"/>
+                  </a:schemeClr>
+                </a:solidFill>
+                <a:latin typeface="Garamond" panose="02020404030301010803" pitchFamily="18" charset="0"/>
+              </a:rPr>
+              <a:t>represented populations and minorities. It focuses on developing and spreading educational resources, with a specific emphasis on sports analytics. </a:t>
+            </a:r>
           </a:p>
         </p:txBody>
       </p:sp>
@@ -3593,23 +3537,8 @@
                 </a:solidFill>
                 <a:latin typeface="Garamond" panose="02020404030301010803" pitchFamily="18" charset="0"/>
               </a:rPr>
-              <a:t>Professional </a:t>
-            </a:r>
-            <a:r>
-              <a:rPr lang="en-US" sz="6000">
-                <a:solidFill>
-                  <a:schemeClr val="bg1"/>
-                </a:solidFill>
-                <a:latin typeface="Garamond" panose="02020404030301010803" pitchFamily="18" charset="0"/>
-              </a:rPr>
-              <a:t>Bull Riding:</a:t>
-            </a:r>
-            <a:endParaRPr lang="en-US" sz="6000" dirty="0">
-              <a:solidFill>
-                <a:schemeClr val="bg1"/>
-              </a:solidFill>
-              <a:latin typeface="Garamond" panose="02020404030301010803" pitchFamily="18" charset="0"/>
-            </a:endParaRPr>
+              <a:t>Professional Bull Riding:</a:t>
+            </a:r>
           </a:p>
           <a:p>
             <a:pPr>
@@ -3719,7 +3648,7 @@
         </p:blipFill>
         <p:spPr bwMode="auto">
           <a:xfrm>
-            <a:off x="16644569" y="5504321"/>
+            <a:off x="16720048" y="5203191"/>
             <a:ext cx="10401300" cy="7797800"/>
           </a:xfrm>
           <a:prstGeom prst="rect">

--- a/mjmaslow/SYE-Poster_Maslow.pptx
+++ b/mjmaslow/SYE-Poster_Maslow.pptx
@@ -2971,163 +2971,6 @@
           <a:chExt cx="0" cy="0"/>
         </a:xfrm>
       </p:grpSpPr>
-      <p:sp>
-        <p:nvSpPr>
-          <p:cNvPr id="26" name="Rectangle 25">
-            <a:extLst>
-              <a:ext uri="{FF2B5EF4-FFF2-40B4-BE49-F238E27FC236}">
-                <a16:creationId xmlns:a16="http://schemas.microsoft.com/office/drawing/2014/main" id="{EF93311E-5526-9B4D-B45E-5E7F622DA0A9}"/>
-              </a:ext>
-            </a:extLst>
-          </p:cNvPr>
-          <p:cNvSpPr/>
-          <p:nvPr/>
-        </p:nvSpPr>
-        <p:spPr>
-          <a:xfrm>
-            <a:off x="865801" y="5504321"/>
-            <a:ext cx="13344023" cy="26521432"/>
-          </a:xfrm>
-          <a:prstGeom prst="rect">
-            <a:avLst/>
-          </a:prstGeom>
-          <a:solidFill>
-            <a:srgbClr val="C00000">
-              <a:alpha val="84974"/>
-            </a:srgbClr>
-          </a:solidFill>
-        </p:spPr>
-        <p:style>
-          <a:lnRef idx="2">
-            <a:schemeClr val="accent1">
-              <a:shade val="50000"/>
-            </a:schemeClr>
-          </a:lnRef>
-          <a:fillRef idx="1">
-            <a:schemeClr val="accent1"/>
-          </a:fillRef>
-          <a:effectRef idx="0">
-            <a:schemeClr val="accent1"/>
-          </a:effectRef>
-          <a:fontRef idx="minor">
-            <a:schemeClr val="lt1"/>
-          </a:fontRef>
-        </p:style>
-        <p:txBody>
-          <a:bodyPr rtlCol="0" anchor="ctr"/>
-          <a:lstStyle/>
-          <a:p>
-            <a:pPr algn="ctr"/>
-            <a:endParaRPr lang="en-US" dirty="0">
-              <a:solidFill>
-                <a:schemeClr val="bg1">
-                  <a:lumMod val="95000"/>
-                </a:schemeClr>
-              </a:solidFill>
-            </a:endParaRPr>
-          </a:p>
-        </p:txBody>
-      </p:sp>
-      <p:sp>
-        <p:nvSpPr>
-          <p:cNvPr id="25" name="Rectangle 24">
-            <a:extLst>
-              <a:ext uri="{FF2B5EF4-FFF2-40B4-BE49-F238E27FC236}">
-                <a16:creationId xmlns:a16="http://schemas.microsoft.com/office/drawing/2014/main" id="{4EDE2ACD-A6EA-934B-8311-5A13CF732344}"/>
-              </a:ext>
-            </a:extLst>
-          </p:cNvPr>
-          <p:cNvSpPr/>
-          <p:nvPr/>
-        </p:nvSpPr>
-        <p:spPr>
-          <a:xfrm>
-            <a:off x="15173208" y="5504321"/>
-            <a:ext cx="13344023" cy="26521432"/>
-          </a:xfrm>
-          <a:prstGeom prst="rect">
-            <a:avLst/>
-          </a:prstGeom>
-          <a:solidFill>
-            <a:srgbClr val="C00000"/>
-          </a:solidFill>
-        </p:spPr>
-        <p:style>
-          <a:lnRef idx="2">
-            <a:schemeClr val="accent1">
-              <a:shade val="50000"/>
-            </a:schemeClr>
-          </a:lnRef>
-          <a:fillRef idx="1">
-            <a:schemeClr val="accent1"/>
-          </a:fillRef>
-          <a:effectRef idx="0">
-            <a:schemeClr val="accent1"/>
-          </a:effectRef>
-          <a:fontRef idx="minor">
-            <a:schemeClr val="lt1"/>
-          </a:fontRef>
-        </p:style>
-        <p:txBody>
-          <a:bodyPr rtlCol="0" anchor="ctr"/>
-          <a:lstStyle/>
-          <a:p>
-            <a:pPr algn="ctr"/>
-            <a:endParaRPr lang="en-US"/>
-          </a:p>
-        </p:txBody>
-      </p:sp>
-      <p:sp>
-        <p:nvSpPr>
-          <p:cNvPr id="24" name="Rectangle 23">
-            <a:extLst>
-              <a:ext uri="{FF2B5EF4-FFF2-40B4-BE49-F238E27FC236}">
-                <a16:creationId xmlns:a16="http://schemas.microsoft.com/office/drawing/2014/main" id="{88EC93B3-E7A7-EE4A-B4AF-BB1DC5CDEAAD}"/>
-              </a:ext>
-            </a:extLst>
-          </p:cNvPr>
-          <p:cNvSpPr/>
-          <p:nvPr/>
-        </p:nvSpPr>
-        <p:spPr>
-          <a:xfrm>
-            <a:off x="29480615" y="5504321"/>
-            <a:ext cx="13344023" cy="26521432"/>
-          </a:xfrm>
-          <a:prstGeom prst="rect">
-            <a:avLst/>
-          </a:prstGeom>
-          <a:solidFill>
-            <a:srgbClr val="C00000">
-              <a:alpha val="85000"/>
-            </a:srgbClr>
-          </a:solidFill>
-        </p:spPr>
-        <p:style>
-          <a:lnRef idx="2">
-            <a:schemeClr val="accent1">
-              <a:shade val="50000"/>
-            </a:schemeClr>
-          </a:lnRef>
-          <a:fillRef idx="1">
-            <a:schemeClr val="accent1"/>
-          </a:fillRef>
-          <a:effectRef idx="0">
-            <a:schemeClr val="accent1"/>
-          </a:effectRef>
-          <a:fontRef idx="minor">
-            <a:schemeClr val="lt1"/>
-          </a:fontRef>
-        </p:style>
-        <p:txBody>
-          <a:bodyPr rtlCol="0" anchor="ctr"/>
-          <a:lstStyle/>
-          <a:p>
-            <a:pPr algn="ctr"/>
-            <a:endParaRPr lang="en-US"/>
-          </a:p>
-        </p:txBody>
-      </p:sp>
       <p:pic>
         <p:nvPicPr>
           <p:cNvPr id="15" name="Picture 14">
@@ -3228,7 +3071,11 @@
             <a:prstGeom prst="rect">
               <a:avLst/>
             </a:prstGeom>
-            <a:noFill/>
+            <a:solidFill>
+              <a:srgbClr val="C00000">
+                <a:alpha val="93000"/>
+              </a:srgbClr>
+            </a:solidFill>
           </p:spPr>
           <p:style>
             <a:lnRef idx="2">
@@ -3394,7 +3241,9 @@
               <a:r>
                 <a:rPr lang="en-US" altLang="en-US" sz="9600" b="1" dirty="0">
                   <a:solidFill>
-                    <a:srgbClr val="C00000"/>
+                    <a:schemeClr val="bg1">
+                      <a:lumMod val="95000"/>
+                    </a:schemeClr>
                   </a:solidFill>
                   <a:latin typeface="Garamond" panose="02020404030301010803" pitchFamily="18" charset="0"/>
                   <a:cs typeface="Times New Roman" panose="02020603050405020304" pitchFamily="18" charset="0"/>
@@ -3407,7 +3256,9 @@
               <a:r>
                 <a:rPr lang="en-US" altLang="en-US" sz="7260" dirty="0">
                   <a:solidFill>
-                    <a:srgbClr val="C00000"/>
+                    <a:schemeClr val="bg1">
+                      <a:lumMod val="95000"/>
+                    </a:schemeClr>
                   </a:solidFill>
                   <a:latin typeface="Garamond" panose="02020404030301010803" pitchFamily="18" charset="0"/>
                   <a:cs typeface="Times New Roman" panose="02020603050405020304" pitchFamily="18" charset="0"/>
@@ -3420,7 +3271,9 @@
               <a:r>
                 <a:rPr lang="en-US" altLang="en-US" sz="7260" dirty="0">
                   <a:solidFill>
-                    <a:srgbClr val="C00000"/>
+                    <a:schemeClr val="bg1">
+                      <a:lumMod val="95000"/>
+                    </a:schemeClr>
                   </a:solidFill>
                   <a:latin typeface="Garamond" panose="02020404030301010803" pitchFamily="18" charset="0"/>
                   <a:cs typeface="Times New Roman" panose="02020603050405020304" pitchFamily="18" charset="0"/>
@@ -3441,190 +3294,472 @@
           </p:txBody>
         </p:sp>
       </p:grpSp>
-      <p:sp>
-        <p:nvSpPr>
-          <p:cNvPr id="5" name="TextBox 4">
+      <p:grpSp>
+        <p:nvGrpSpPr>
+          <p:cNvPr id="10" name="Group 9">
             <a:extLst>
               <a:ext uri="{FF2B5EF4-FFF2-40B4-BE49-F238E27FC236}">
-                <a16:creationId xmlns:a16="http://schemas.microsoft.com/office/drawing/2014/main" id="{1E485B15-BDA1-43D2-C387-6E50BCFE33C2}"/>
+                <a16:creationId xmlns:a16="http://schemas.microsoft.com/office/drawing/2014/main" id="{66446E14-C889-A0F4-A4D2-71B8FD92AC92}"/>
               </a:ext>
             </a:extLst>
           </p:cNvPr>
-          <p:cNvSpPr txBox="1"/>
+          <p:cNvGrpSpPr/>
           <p:nvPr/>
-        </p:nvSpPr>
-        <p:spPr>
+        </p:nvGrpSpPr>
+        <p:grpSpPr>
           <a:xfrm>
-            <a:off x="15401826" y="11569156"/>
-            <a:ext cx="13037745" cy="6468822"/>
+            <a:off x="2032000" y="5168449"/>
+            <a:ext cx="39827200" cy="4113112"/>
+            <a:chOff x="15173208" y="5294100"/>
+            <a:chExt cx="13344023" cy="26731653"/>
           </a:xfrm>
-          <a:prstGeom prst="rect">
-            <a:avLst/>
-          </a:prstGeom>
-          <a:noFill/>
-        </p:spPr>
-        <p:txBody>
-          <a:bodyPr wrap="square" rtlCol="0">
-            <a:spAutoFit/>
-          </a:bodyPr>
-          <a:lstStyle/>
-          <a:p>
-            <a:pPr algn="l">
-              <a:lnSpc>
-                <a:spcPct val="150000"/>
-              </a:lnSpc>
-            </a:pPr>
-            <a:r>
-              <a:rPr lang="en-US" sz="4000" dirty="0">
-                <a:solidFill>
-                  <a:schemeClr val="bg1"/>
-                </a:solidFill>
-                <a:latin typeface="Garamond" panose="02020404030301010803" pitchFamily="18" charset="0"/>
-              </a:rPr>
-              <a:t>         The SCORE Network, funded by the National Science Foundation, acquires, cleans, manipulates, and documents sports data to create educational resources aimed at advancing data science learning, particularly among under</a:t>
-            </a:r>
-            <a:r>
-              <a:rPr lang="en-US" sz="4000" dirty="0">
+        </p:grpSpPr>
+        <p:sp>
+          <p:nvSpPr>
+            <p:cNvPr id="25" name="Rectangle 24">
+              <a:extLst>
+                <a:ext uri="{FF2B5EF4-FFF2-40B4-BE49-F238E27FC236}">
+                  <a16:creationId xmlns:a16="http://schemas.microsoft.com/office/drawing/2014/main" id="{4EDE2ACD-A6EA-934B-8311-5A13CF732344}"/>
+                </a:ext>
+              </a:extLst>
+            </p:cNvPr>
+            <p:cNvSpPr/>
+            <p:nvPr/>
+          </p:nvSpPr>
+          <p:spPr>
+            <a:xfrm>
+              <a:off x="15173208" y="5504321"/>
+              <a:ext cx="13344023" cy="26521432"/>
+            </a:xfrm>
+            <a:prstGeom prst="rect">
+              <a:avLst/>
+            </a:prstGeom>
+            <a:solidFill>
+              <a:srgbClr val="C00000">
+                <a:alpha val="85000"/>
+              </a:srgbClr>
+            </a:solidFill>
+          </p:spPr>
+          <p:style>
+            <a:lnRef idx="2">
+              <a:schemeClr val="accent1">
+                <a:shade val="50000"/>
+              </a:schemeClr>
+            </a:lnRef>
+            <a:fillRef idx="1">
+              <a:schemeClr val="accent1"/>
+            </a:fillRef>
+            <a:effectRef idx="0">
+              <a:schemeClr val="accent1"/>
+            </a:effectRef>
+            <a:fontRef idx="minor">
+              <a:schemeClr val="lt1"/>
+            </a:fontRef>
+          </p:style>
+          <p:txBody>
+            <a:bodyPr rtlCol="0" anchor="ctr"/>
+            <a:lstStyle/>
+            <a:p>
+              <a:pPr algn="ctr"/>
+              <a:endParaRPr lang="en-US"/>
+            </a:p>
+          </p:txBody>
+        </p:sp>
+        <p:sp>
+          <p:nvSpPr>
+            <p:cNvPr id="5" name="TextBox 4">
+              <a:extLst>
+                <a:ext uri="{FF2B5EF4-FFF2-40B4-BE49-F238E27FC236}">
+                  <a16:creationId xmlns:a16="http://schemas.microsoft.com/office/drawing/2014/main" id="{1E485B15-BDA1-43D2-C387-6E50BCFE33C2}"/>
+                </a:ext>
+              </a:extLst>
+            </p:cNvPr>
+            <p:cNvSpPr txBox="1"/>
+            <p:nvPr/>
+          </p:nvSpPr>
+          <p:spPr>
+            <a:xfrm>
+              <a:off x="15404321" y="5294100"/>
+              <a:ext cx="13037745" cy="24141717"/>
+            </a:xfrm>
+            <a:prstGeom prst="rect">
+              <a:avLst/>
+            </a:prstGeom>
+            <a:noFill/>
+          </p:spPr>
+          <p:txBody>
+            <a:bodyPr wrap="square" rtlCol="0">
+              <a:spAutoFit/>
+            </a:bodyPr>
+            <a:lstStyle/>
+            <a:p>
+              <a:pPr algn="l">
+                <a:lnSpc>
+                  <a:spcPct val="150000"/>
+                </a:lnSpc>
+              </a:pPr>
+              <a:r>
+                <a:rPr lang="en-US" sz="5400" dirty="0">
+                  <a:solidFill>
+                    <a:schemeClr val="bg1"/>
+                  </a:solidFill>
+                  <a:latin typeface="Garamond" panose="02020404030301010803" pitchFamily="18" charset="0"/>
+                </a:rPr>
+                <a:t>         The SCORE Network, funded by the National Science Foundation, acquires, cleans, manipulates, and documents sports data to create educational resources aimed at advancing data science learning, particularly among under</a:t>
+              </a:r>
+              <a:r>
+                <a:rPr lang="en-US" sz="5400" dirty="0">
+                  <a:solidFill>
+                    <a:schemeClr val="bg1">
+                      <a:lumMod val="95000"/>
+                    </a:schemeClr>
+                  </a:solidFill>
+                  <a:latin typeface="Garamond" panose="02020404030301010803" pitchFamily="18" charset="0"/>
+                </a:rPr>
+                <a:t>represented populations and minorities. It focuses on developing and spreading educational resources, with a specific emphasis on sports analytics. </a:t>
+              </a:r>
+            </a:p>
+          </p:txBody>
+        </p:sp>
+      </p:grpSp>
+      <p:grpSp>
+        <p:nvGrpSpPr>
+          <p:cNvPr id="13" name="Group 12">
+            <a:extLst>
+              <a:ext uri="{FF2B5EF4-FFF2-40B4-BE49-F238E27FC236}">
+                <a16:creationId xmlns:a16="http://schemas.microsoft.com/office/drawing/2014/main" id="{34C119BB-DCF4-B3B2-2C21-48D0B5E81E77}"/>
+              </a:ext>
+            </a:extLst>
+          </p:cNvPr>
+          <p:cNvGrpSpPr/>
+          <p:nvPr/>
+        </p:nvGrpSpPr>
+        <p:grpSpPr>
+          <a:xfrm>
+            <a:off x="3874848" y="9854026"/>
+            <a:ext cx="13344023" cy="21126890"/>
+            <a:chOff x="2063026" y="9854026"/>
+            <a:chExt cx="13344023" cy="21126890"/>
+          </a:xfrm>
+        </p:grpSpPr>
+        <p:sp>
+          <p:nvSpPr>
+            <p:cNvPr id="26" name="Rectangle 25">
+              <a:extLst>
+                <a:ext uri="{FF2B5EF4-FFF2-40B4-BE49-F238E27FC236}">
+                  <a16:creationId xmlns:a16="http://schemas.microsoft.com/office/drawing/2014/main" id="{EF93311E-5526-9B4D-B45E-5E7F622DA0A9}"/>
+                </a:ext>
+              </a:extLst>
+            </p:cNvPr>
+            <p:cNvSpPr/>
+            <p:nvPr/>
+          </p:nvSpPr>
+          <p:spPr>
+            <a:xfrm>
+              <a:off x="2063026" y="9854026"/>
+              <a:ext cx="13344023" cy="21126890"/>
+            </a:xfrm>
+            <a:prstGeom prst="rect">
+              <a:avLst/>
+            </a:prstGeom>
+            <a:solidFill>
+              <a:srgbClr val="C00000">
+                <a:alpha val="80000"/>
+              </a:srgbClr>
+            </a:solidFill>
+          </p:spPr>
+          <p:style>
+            <a:lnRef idx="2">
+              <a:schemeClr val="accent1">
+                <a:shade val="50000"/>
+              </a:schemeClr>
+            </a:lnRef>
+            <a:fillRef idx="1">
+              <a:schemeClr val="accent1"/>
+            </a:fillRef>
+            <a:effectRef idx="0">
+              <a:schemeClr val="accent1"/>
+            </a:effectRef>
+            <a:fontRef idx="minor">
+              <a:schemeClr val="lt1"/>
+            </a:fontRef>
+          </p:style>
+          <p:txBody>
+            <a:bodyPr rtlCol="0" anchor="ctr"/>
+            <a:lstStyle/>
+            <a:p>
+              <a:pPr algn="ctr"/>
+              <a:endParaRPr lang="en-US" dirty="0">
                 <a:solidFill>
                   <a:schemeClr val="bg1">
                     <a:lumMod val="95000"/>
                   </a:schemeClr>
                 </a:solidFill>
-                <a:latin typeface="Garamond" panose="02020404030301010803" pitchFamily="18" charset="0"/>
-              </a:rPr>
-              <a:t>represented populations and minorities. It focuses on developing and spreading educational resources, with a specific emphasis on sports analytics. </a:t>
-            </a:r>
-          </a:p>
-        </p:txBody>
-      </p:sp>
-      <p:sp>
-        <p:nvSpPr>
-          <p:cNvPr id="6" name="TextBox 5">
+              </a:endParaRPr>
+            </a:p>
+          </p:txBody>
+        </p:sp>
+        <p:sp>
+          <p:nvSpPr>
+            <p:cNvPr id="6" name="TextBox 5">
+              <a:extLst>
+                <a:ext uri="{FF2B5EF4-FFF2-40B4-BE49-F238E27FC236}">
+                  <a16:creationId xmlns:a16="http://schemas.microsoft.com/office/drawing/2014/main" id="{E9AF6EDC-8860-9337-0CBC-996469880E80}"/>
+                </a:ext>
+              </a:extLst>
+            </p:cNvPr>
+            <p:cNvSpPr txBox="1"/>
+            <p:nvPr/>
+          </p:nvSpPr>
+          <p:spPr>
+            <a:xfrm>
+              <a:off x="2425151" y="10572701"/>
+              <a:ext cx="12619772" cy="12470466"/>
+            </a:xfrm>
+            <a:prstGeom prst="rect">
+              <a:avLst/>
+            </a:prstGeom>
+            <a:noFill/>
+          </p:spPr>
+          <p:txBody>
+            <a:bodyPr wrap="square" rtlCol="0">
+              <a:spAutoFit/>
+            </a:bodyPr>
+            <a:lstStyle/>
+            <a:p>
+              <a:pPr algn="ctr">
+                <a:lnSpc>
+                  <a:spcPct val="150000"/>
+                </a:lnSpc>
+              </a:pPr>
+              <a:r>
+                <a:rPr lang="en-US" sz="6000" dirty="0">
+                  <a:solidFill>
+                    <a:schemeClr val="bg1"/>
+                  </a:solidFill>
+                  <a:latin typeface="Garamond" panose="02020404030301010803" pitchFamily="18" charset="0"/>
+                </a:rPr>
+                <a:t>Professional Bull Riding:</a:t>
+              </a:r>
+            </a:p>
+            <a:p>
+              <a:pPr>
+                <a:lnSpc>
+                  <a:spcPct val="150000"/>
+                </a:lnSpc>
+              </a:pPr>
+              <a:r>
+                <a:rPr lang="en-US" sz="4000" dirty="0">
+                  <a:solidFill>
+                    <a:schemeClr val="bg1"/>
+                  </a:solidFill>
+                  <a:latin typeface="Garamond" panose="02020404030301010803" pitchFamily="18" charset="0"/>
+                </a:rPr>
+                <a:t>        Professional Bull Riding (PBR) is a sport that requires a unique combination of skill, strength, and courage. Riders must stay on a bucking bull as long as they can, using only one hand to hold on while the bull tries to throw them off. The rider is scored based on their performance, and the bull is also scored based on how well it bucks. In this dataset, we will explore the data from the 2023 season of the PBR league, Touring Pro Division, to understand the factors that contribute to a rider's success and the performance, and the same for the bulls. This dataset’s analysis encompasses linear regression, identification of influential points, hypothesis testing, and variable transformation.</a:t>
+              </a:r>
+            </a:p>
+          </p:txBody>
+        </p:sp>
+        <p:pic>
+          <p:nvPicPr>
+            <p:cNvPr id="12" name="Picture 11" descr="A qr code with a white background&#10;&#10;Description automatically generated">
+              <a:extLst>
+                <a:ext uri="{FF2B5EF4-FFF2-40B4-BE49-F238E27FC236}">
+                  <a16:creationId xmlns:a16="http://schemas.microsoft.com/office/drawing/2014/main" id="{766B1B9D-8833-8114-71A9-B3A987E97095}"/>
+                </a:ext>
+              </a:extLst>
+            </p:cNvPr>
+            <p:cNvPicPr>
+              <a:picLocks noChangeAspect="1"/>
+            </p:cNvPicPr>
+            <p:nvPr/>
+          </p:nvPicPr>
+          <p:blipFill>
+            <a:blip r:embed="rId3"/>
+            <a:stretch>
+              <a:fillRect/>
+            </a:stretch>
+          </p:blipFill>
+          <p:spPr>
+            <a:xfrm>
+              <a:off x="5312858" y="24797178"/>
+              <a:ext cx="6667500" cy="4114802"/>
+            </a:xfrm>
+            <a:prstGeom prst="rect">
+              <a:avLst/>
+            </a:prstGeom>
+          </p:spPr>
+        </p:pic>
+      </p:grpSp>
+      <p:grpSp>
+        <p:nvGrpSpPr>
+          <p:cNvPr id="11" name="Group 10">
             <a:extLst>
               <a:ext uri="{FF2B5EF4-FFF2-40B4-BE49-F238E27FC236}">
-                <a16:creationId xmlns:a16="http://schemas.microsoft.com/office/drawing/2014/main" id="{E9AF6EDC-8860-9337-0CBC-996469880E80}"/>
+                <a16:creationId xmlns:a16="http://schemas.microsoft.com/office/drawing/2014/main" id="{38FE8BC9-D321-1B9B-0DC9-E710B7571621}"/>
               </a:ext>
             </a:extLst>
           </p:cNvPr>
-          <p:cNvSpPr txBox="1"/>
+          <p:cNvGrpSpPr/>
           <p:nvPr/>
-        </p:nvSpPr>
-        <p:spPr>
+        </p:nvGrpSpPr>
+        <p:grpSpPr>
           <a:xfrm>
-            <a:off x="1298349" y="5908073"/>
-            <a:ext cx="12619772" cy="12470465"/>
+            <a:off x="26672331" y="9854026"/>
+            <a:ext cx="13375047" cy="21126890"/>
+            <a:chOff x="28484153" y="9854026"/>
+            <a:chExt cx="13375047" cy="21126890"/>
           </a:xfrm>
-          <a:prstGeom prst="rect">
-            <a:avLst/>
-          </a:prstGeom>
-          <a:noFill/>
-        </p:spPr>
-        <p:txBody>
-          <a:bodyPr wrap="square" rtlCol="0">
-            <a:spAutoFit/>
-          </a:bodyPr>
-          <a:lstStyle/>
-          <a:p>
-            <a:pPr algn="ctr">
-              <a:lnSpc>
-                <a:spcPct val="150000"/>
-              </a:lnSpc>
-            </a:pPr>
-            <a:r>
-              <a:rPr lang="en-US" sz="6000" dirty="0">
-                <a:solidFill>
-                  <a:schemeClr val="bg1"/>
-                </a:solidFill>
-                <a:latin typeface="Garamond" panose="02020404030301010803" pitchFamily="18" charset="0"/>
-              </a:rPr>
-              <a:t>Professional Bull Riding:</a:t>
-            </a:r>
-          </a:p>
-          <a:p>
-            <a:pPr>
-              <a:lnSpc>
-                <a:spcPct val="150000"/>
-              </a:lnSpc>
-            </a:pPr>
-            <a:r>
-              <a:rPr lang="en-US" sz="4000" dirty="0">
-                <a:solidFill>
-                  <a:schemeClr val="bg1"/>
-                </a:solidFill>
-                <a:latin typeface="Garamond" panose="02020404030301010803" pitchFamily="18" charset="0"/>
-              </a:rPr>
-              <a:t>        Professional Bull Riding (PBR) is a sport that requires a unique combination of skill, strength, and courage. Riders must stay on a bucking bull as long as they can, using only one hand to hold on while the bull tries to throw them off. The rider is scored based on their performance, and the bull is also scored based on how well it bucks. In this dataset, we will explore the data from the 2023 season of the PBR league, Touring Pro Division, to understand the factors that contribute to a rider's success and the performance, and the same for the bulls. This dataset’s analysis encompasses linear regression, identification of influential points, hypothesis testing, and variable transformation.</a:t>
-            </a:r>
-          </a:p>
-        </p:txBody>
-      </p:sp>
-      <p:sp>
-        <p:nvSpPr>
-          <p:cNvPr id="7" name="TextBox 6">
+        </p:grpSpPr>
+        <p:sp>
+          <p:nvSpPr>
+            <p:cNvPr id="24" name="Rectangle 23">
+              <a:extLst>
+                <a:ext uri="{FF2B5EF4-FFF2-40B4-BE49-F238E27FC236}">
+                  <a16:creationId xmlns:a16="http://schemas.microsoft.com/office/drawing/2014/main" id="{88EC93B3-E7A7-EE4A-B4AF-BB1DC5CDEAAD}"/>
+                </a:ext>
+              </a:extLst>
+            </p:cNvPr>
+            <p:cNvSpPr/>
+            <p:nvPr/>
+          </p:nvSpPr>
+          <p:spPr>
+            <a:xfrm>
+              <a:off x="28484153" y="9854026"/>
+              <a:ext cx="13324314" cy="21126890"/>
+            </a:xfrm>
+            <a:prstGeom prst="rect">
+              <a:avLst/>
+            </a:prstGeom>
+            <a:solidFill>
+              <a:srgbClr val="C00000">
+                <a:alpha val="80000"/>
+              </a:srgbClr>
+            </a:solidFill>
+          </p:spPr>
+          <p:style>
+            <a:lnRef idx="2">
+              <a:schemeClr val="accent1">
+                <a:shade val="50000"/>
+              </a:schemeClr>
+            </a:lnRef>
+            <a:fillRef idx="1">
+              <a:schemeClr val="accent1"/>
+            </a:fillRef>
+            <a:effectRef idx="0">
+              <a:schemeClr val="accent1"/>
+            </a:effectRef>
+            <a:fontRef idx="minor">
+              <a:schemeClr val="lt1"/>
+            </a:fontRef>
+          </p:style>
+          <p:txBody>
+            <a:bodyPr rtlCol="0" anchor="ctr"/>
+            <a:lstStyle/>
+            <a:p>
+              <a:pPr algn="ctr"/>
+              <a:endParaRPr lang="en-US"/>
+            </a:p>
+          </p:txBody>
+        </p:sp>
+        <p:sp>
+          <p:nvSpPr>
+            <p:cNvPr id="7" name="TextBox 6">
+              <a:extLst>
+                <a:ext uri="{FF2B5EF4-FFF2-40B4-BE49-F238E27FC236}">
+                  <a16:creationId xmlns:a16="http://schemas.microsoft.com/office/drawing/2014/main" id="{12E036D2-4AE3-23CC-4725-5B4BE7ABBFE0}"/>
+                </a:ext>
+              </a:extLst>
+            </p:cNvPr>
+            <p:cNvSpPr txBox="1"/>
+            <p:nvPr/>
+          </p:nvSpPr>
+          <p:spPr>
+            <a:xfrm>
+              <a:off x="28750841" y="10572701"/>
+              <a:ext cx="13108359" cy="11547135"/>
+            </a:xfrm>
+            <a:prstGeom prst="rect">
+              <a:avLst/>
+            </a:prstGeom>
+            <a:noFill/>
+          </p:spPr>
+          <p:txBody>
+            <a:bodyPr wrap="square" rtlCol="0">
+              <a:spAutoFit/>
+            </a:bodyPr>
+            <a:lstStyle/>
+            <a:p>
+              <a:pPr algn="ctr">
+                <a:lnSpc>
+                  <a:spcPct val="150000"/>
+                </a:lnSpc>
+              </a:pPr>
+              <a:r>
+                <a:rPr lang="en-US" sz="6000" dirty="0">
+                  <a:solidFill>
+                    <a:schemeClr val="bg1"/>
+                  </a:solidFill>
+                  <a:latin typeface="Garamond" panose="02020404030301010803" pitchFamily="18" charset="0"/>
+                </a:rPr>
+                <a:t>The 2024 Dakar Rally:</a:t>
+              </a:r>
+            </a:p>
+            <a:p>
+              <a:pPr>
+                <a:lnSpc>
+                  <a:spcPct val="150000"/>
+                </a:lnSpc>
+              </a:pPr>
+              <a:r>
+                <a:rPr lang="en-US" sz="4000" dirty="0">
+                  <a:solidFill>
+                    <a:schemeClr val="bg1"/>
+                  </a:solidFill>
+                  <a:latin typeface="Garamond" panose="02020404030301010803" pitchFamily="18" charset="0"/>
+                </a:rPr>
+                <a:t>       The Dakar Rally is an annual off-road endurance event that typically spans over two weeks and covers thousands of kilometers across challenging terrain, and the most recent rally took place in Saudi Arabia. Participants, including motorcyclists, drivers, and truckers, compete in various categories, facing extreme conditions like deserts, mountains, and dunes, making it one of the toughest motor-sport events in the world. For this investigation, we will be looking at the motorist statistics for all 12 stages of race. This dataset’s analysis will exemplify data visualization, uncovering patterns and insights within the race dynamics.</a:t>
+              </a:r>
+            </a:p>
+          </p:txBody>
+        </p:sp>
+        <p:pic>
+          <p:nvPicPr>
+            <p:cNvPr id="14" name="Picture 13" descr="A qr code with a white background&#10;&#10;Description automatically generated">
+              <a:extLst>
+                <a:ext uri="{FF2B5EF4-FFF2-40B4-BE49-F238E27FC236}">
+                  <a16:creationId xmlns:a16="http://schemas.microsoft.com/office/drawing/2014/main" id="{41E62472-51D5-0D8F-908A-25C9287FDBF2}"/>
+                </a:ext>
+              </a:extLst>
+            </p:cNvPr>
+            <p:cNvPicPr>
+              <a:picLocks noChangeAspect="1"/>
+            </p:cNvPicPr>
+            <p:nvPr/>
+          </p:nvPicPr>
+          <p:blipFill>
+            <a:blip r:embed="rId4"/>
+            <a:stretch>
+              <a:fillRect/>
+            </a:stretch>
+          </p:blipFill>
+          <p:spPr>
+            <a:xfrm>
+              <a:off x="31795490" y="24803256"/>
+              <a:ext cx="6657652" cy="4108724"/>
+            </a:xfrm>
+            <a:prstGeom prst="rect">
+              <a:avLst/>
+            </a:prstGeom>
+          </p:spPr>
+        </p:pic>
+      </p:grpSp>
+      <p:pic>
+        <p:nvPicPr>
+          <p:cNvPr id="1026" name="Picture 2" descr="SCORE network logo">
             <a:extLst>
               <a:ext uri="{FF2B5EF4-FFF2-40B4-BE49-F238E27FC236}">
-                <a16:creationId xmlns:a16="http://schemas.microsoft.com/office/drawing/2014/main" id="{12E036D2-4AE3-23CC-4725-5B4BE7ABBFE0}"/>
-              </a:ext>
-            </a:extLst>
-          </p:cNvPr>
-          <p:cNvSpPr txBox="1"/>
-          <p:nvPr/>
-        </p:nvSpPr>
-        <p:spPr>
-          <a:xfrm>
-            <a:off x="29747622" y="5795589"/>
-            <a:ext cx="13127749" cy="11547135"/>
-          </a:xfrm>
-          <a:prstGeom prst="rect">
-            <a:avLst/>
-          </a:prstGeom>
-          <a:noFill/>
-        </p:spPr>
-        <p:txBody>
-          <a:bodyPr wrap="square" rtlCol="0">
-            <a:spAutoFit/>
-          </a:bodyPr>
-          <a:lstStyle/>
-          <a:p>
-            <a:pPr algn="ctr">
-              <a:lnSpc>
-                <a:spcPct val="150000"/>
-              </a:lnSpc>
-            </a:pPr>
-            <a:r>
-              <a:rPr lang="en-US" sz="6000" dirty="0">
-                <a:solidFill>
-                  <a:schemeClr val="bg1"/>
-                </a:solidFill>
-                <a:latin typeface="Garamond" panose="02020404030301010803" pitchFamily="18" charset="0"/>
-              </a:rPr>
-              <a:t>The 2024 Dakar Rally:</a:t>
-            </a:r>
-          </a:p>
-          <a:p>
-            <a:pPr>
-              <a:lnSpc>
-                <a:spcPct val="150000"/>
-              </a:lnSpc>
-            </a:pPr>
-            <a:r>
-              <a:rPr lang="en-US" sz="4000" dirty="0">
-                <a:solidFill>
-                  <a:schemeClr val="bg1"/>
-                </a:solidFill>
-                <a:latin typeface="Garamond" panose="02020404030301010803" pitchFamily="18" charset="0"/>
-              </a:rPr>
-              <a:t>       The Dakar Rally is an annual off-road endurance event that typically spans over two weeks and covers thousands of kilometers across challenging terrain, and the most recent rally took place in Saudi Arabia. Participants, including motorcyclists, drivers, and truckers, compete in various categories, facing extreme conditions like deserts, mountains, and dunes, making it one of the toughest motor-sport events in the world. For this investigation, we will be looking at the motorist statistics for all 12 stages of race. This dataset’s analysis will exemplify data visualization, uncovering patterns and insights within the race dynamics.</a:t>
-            </a:r>
-          </a:p>
-        </p:txBody>
-      </p:sp>
-      <p:pic>
-        <p:nvPicPr>
-          <p:cNvPr id="8" name="Picture 2" descr="SCORE network logo">
-            <a:extLst>
-              <a:ext uri="{FF2B5EF4-FFF2-40B4-BE49-F238E27FC236}">
-                <a16:creationId xmlns:a16="http://schemas.microsoft.com/office/drawing/2014/main" id="{5CF72056-3ED8-6476-869D-C4BB9F6FAB94}"/>
+                <a16:creationId xmlns:a16="http://schemas.microsoft.com/office/drawing/2014/main" id="{A877734A-4713-9909-1384-0E2F6AB0844B}"/>
               </a:ext>
             </a:extLst>
           </p:cNvPr>
@@ -3634,7 +3769,7 @@
           <p:nvPr/>
         </p:nvPicPr>
         <p:blipFill>
-          <a:blip r:embed="rId3">
+          <a:blip r:embed="rId5">
             <a:extLst>
               <a:ext uri="{28A0092B-C50C-407E-A947-70E740481C1C}">
                 <a14:useLocalDpi xmlns:a14="http://schemas.microsoft.com/office/drawing/2010/main" val="0"/>
@@ -3648,7 +3783,7 @@
         </p:blipFill>
         <p:spPr bwMode="auto">
           <a:xfrm>
-            <a:off x="16720048" y="5203191"/>
+            <a:off x="16720049" y="14322036"/>
             <a:ext cx="10401300" cy="7797800"/>
           </a:xfrm>
           <a:prstGeom prst="rect">
@@ -3664,66 +3799,6 @@
               </a14:hiddenFill>
             </a:ext>
           </a:extLst>
-        </p:spPr>
-      </p:pic>
-      <p:pic>
-        <p:nvPicPr>
-          <p:cNvPr id="12" name="Picture 11" descr="A qr code with a white background&#10;&#10;Description automatically generated">
-            <a:extLst>
-              <a:ext uri="{FF2B5EF4-FFF2-40B4-BE49-F238E27FC236}">
-                <a16:creationId xmlns:a16="http://schemas.microsoft.com/office/drawing/2014/main" id="{766B1B9D-8833-8114-71A9-B3A987E97095}"/>
-              </a:ext>
-            </a:extLst>
-          </p:cNvPr>
-          <p:cNvPicPr>
-            <a:picLocks noChangeAspect="1"/>
-          </p:cNvPicPr>
-          <p:nvPr/>
-        </p:nvPicPr>
-        <p:blipFill>
-          <a:blip r:embed="rId4"/>
-          <a:stretch>
-            <a:fillRect/>
-          </a:stretch>
-        </p:blipFill>
-        <p:spPr>
-          <a:xfrm>
-            <a:off x="4204062" y="18682064"/>
-            <a:ext cx="6667500" cy="4114800"/>
-          </a:xfrm>
-          <a:prstGeom prst="rect">
-            <a:avLst/>
-          </a:prstGeom>
-        </p:spPr>
-      </p:pic>
-      <p:pic>
-        <p:nvPicPr>
-          <p:cNvPr id="14" name="Picture 13" descr="A qr code with a white background&#10;&#10;Description automatically generated">
-            <a:extLst>
-              <a:ext uri="{FF2B5EF4-FFF2-40B4-BE49-F238E27FC236}">
-                <a16:creationId xmlns:a16="http://schemas.microsoft.com/office/drawing/2014/main" id="{41E62472-51D5-0D8F-908A-25C9287FDBF2}"/>
-              </a:ext>
-            </a:extLst>
-          </p:cNvPr>
-          <p:cNvPicPr>
-            <a:picLocks noChangeAspect="1"/>
-          </p:cNvPicPr>
-          <p:nvPr/>
-        </p:nvPicPr>
-        <p:blipFill>
-          <a:blip r:embed="rId5"/>
-          <a:stretch>
-            <a:fillRect/>
-          </a:stretch>
-        </p:blipFill>
-        <p:spPr>
-          <a:xfrm>
-            <a:off x="32927013" y="18378538"/>
-            <a:ext cx="6667500" cy="4114800"/>
-          </a:xfrm>
-          <a:prstGeom prst="rect">
-            <a:avLst/>
-          </a:prstGeom>
         </p:spPr>
       </p:pic>
     </p:spTree>

--- a/mjmaslow/SYE-Poster_Maslow.pptx
+++ b/mjmaslow/SYE-Poster_Maslow.pptx
@@ -3248,7 +3248,7 @@
                   <a:latin typeface="Garamond" panose="02020404030301010803" pitchFamily="18" charset="0"/>
                   <a:cs typeface="Times New Roman" panose="02020603050405020304" pitchFamily="18" charset="0"/>
                 </a:rPr>
-                <a:t>The SCORE Network:</a:t>
+                <a:t>The SCORE Network: Exploring Unusual Sports </a:t>
               </a:r>
             </a:p>
             <a:p>
@@ -3278,8 +3278,29 @@
                   <a:latin typeface="Garamond" panose="02020404030301010803" pitchFamily="18" charset="0"/>
                   <a:cs typeface="Times New Roman" panose="02020603050405020304" pitchFamily="18" charset="0"/>
                 </a:rPr>
-                <a:t>Advisor: Professor Ivan Ramler (Data Science/Statistics)</a:t>
+                <a:t>Advisor: Professor </a:t>
               </a:r>
+              <a:r>
+                <a:rPr lang="en-US" altLang="en-US" sz="7260">
+                  <a:solidFill>
+                    <a:schemeClr val="bg1">
+                      <a:lumMod val="95000"/>
+                    </a:schemeClr>
+                  </a:solidFill>
+                  <a:latin typeface="Garamond" panose="02020404030301010803" pitchFamily="18" charset="0"/>
+                  <a:cs typeface="Times New Roman" panose="02020603050405020304" pitchFamily="18" charset="0"/>
+                </a:rPr>
+                <a:t>Ivan Ramler</a:t>
+              </a:r>
+              <a:endParaRPr lang="en-US" altLang="en-US" sz="7260" dirty="0">
+                <a:solidFill>
+                  <a:schemeClr val="bg1">
+                    <a:lumMod val="95000"/>
+                  </a:schemeClr>
+                </a:solidFill>
+                <a:latin typeface="Garamond" panose="02020404030301010803" pitchFamily="18" charset="0"/>
+                <a:cs typeface="Times New Roman" panose="02020603050405020304" pitchFamily="18" charset="0"/>
+              </a:endParaRPr>
             </a:p>
             <a:p>
               <a:pPr algn="ctr"/>
@@ -3754,53 +3775,6 @@
           </p:spPr>
         </p:pic>
       </p:grpSp>
-      <p:pic>
-        <p:nvPicPr>
-          <p:cNvPr id="1026" name="Picture 2" descr="SCORE network logo">
-            <a:extLst>
-              <a:ext uri="{FF2B5EF4-FFF2-40B4-BE49-F238E27FC236}">
-                <a16:creationId xmlns:a16="http://schemas.microsoft.com/office/drawing/2014/main" id="{A877734A-4713-9909-1384-0E2F6AB0844B}"/>
-              </a:ext>
-            </a:extLst>
-          </p:cNvPr>
-          <p:cNvPicPr>
-            <a:picLocks noChangeAspect="1" noChangeArrowheads="1"/>
-          </p:cNvPicPr>
-          <p:nvPr/>
-        </p:nvPicPr>
-        <p:blipFill>
-          <a:blip r:embed="rId5">
-            <a:extLst>
-              <a:ext uri="{28A0092B-C50C-407E-A947-70E740481C1C}">
-                <a14:useLocalDpi xmlns:a14="http://schemas.microsoft.com/office/drawing/2010/main" val="0"/>
-              </a:ext>
-            </a:extLst>
-          </a:blip>
-          <a:srcRect/>
-          <a:stretch>
-            <a:fillRect/>
-          </a:stretch>
-        </p:blipFill>
-        <p:spPr bwMode="auto">
-          <a:xfrm>
-            <a:off x="16720049" y="14322036"/>
-            <a:ext cx="10401300" cy="7797800"/>
-          </a:xfrm>
-          <a:prstGeom prst="rect">
-            <a:avLst/>
-          </a:prstGeom>
-          <a:noFill/>
-          <a:extLst>
-            <a:ext uri="{909E8E84-426E-40DD-AFC4-6F175D3DCCD1}">
-              <a14:hiddenFill xmlns:a14="http://schemas.microsoft.com/office/drawing/2010/main">
-                <a:solidFill>
-                  <a:srgbClr val="FFFFFF"/>
-                </a:solidFill>
-              </a14:hiddenFill>
-            </a:ext>
-          </a:extLst>
-        </p:spPr>
-      </p:pic>
     </p:spTree>
     <p:extLst>
       <p:ext uri="{BB962C8B-B14F-4D97-AF65-F5344CB8AC3E}">
